--- a/images/Erstellte_Abbildungen.pptx
+++ b/images/Erstellte_Abbildungen.pptx
@@ -5,10 +5,10 @@
     <p:sldMasterId id="2147483660" r:id="rId1"/>
   </p:sldMasterIdLst>
   <p:notesMasterIdLst>
-    <p:notesMasterId r:id="rId7"/>
+    <p:notesMasterId r:id="rId8"/>
   </p:notesMasterIdLst>
   <p:handoutMasterIdLst>
-    <p:handoutMasterId r:id="rId8"/>
+    <p:handoutMasterId r:id="rId9"/>
   </p:handoutMasterIdLst>
   <p:sldIdLst>
     <p:sldId id="257" r:id="rId2"/>
@@ -16,6 +16,7 @@
     <p:sldId id="260" r:id="rId4"/>
     <p:sldId id="261" r:id="rId5"/>
     <p:sldId id="262" r:id="rId6"/>
+    <p:sldId id="263" r:id="rId7"/>
   </p:sldIdLst>
   <p:sldSz cx="12192000" cy="6858000"/>
   <p:notesSz cx="9926638" cy="6797675"/>
@@ -238,7 +239,7 @@
           <a:p>
             <a:fld id="{0D0BC2D3-C2A7-47C3-90FD-EBB22447478D}" type="datetimeFigureOut">
               <a:rPr lang="de-DE" smtClean="0"/>
-              <a:t>20.11.2020</a:t>
+              <a:t>04.12.2020</a:t>
             </a:fld>
             <a:endParaRPr lang="de-DE"/>
           </a:p>
@@ -456,7 +457,7 @@
           <a:p>
             <a:fld id="{6C0C46B0-EFD9-4439-A7DD-5A6E3D3A8873}" type="datetimeFigureOut">
               <a:rPr lang="de-DE" smtClean="0"/>
-              <a:t>20.11.2020</a:t>
+              <a:t>04.12.2020</a:t>
             </a:fld>
             <a:endParaRPr lang="de-DE"/>
           </a:p>
@@ -11551,6 +11552,1633 @@
     <p:extLst>
       <p:ext uri="{BB962C8B-B14F-4D97-AF65-F5344CB8AC3E}">
         <p14:creationId xmlns:p14="http://schemas.microsoft.com/office/powerpoint/2010/main" val="3825116055"/>
+      </p:ext>
+    </p:extLst>
+  </p:cSld>
+  <p:clrMapOvr>
+    <a:masterClrMapping/>
+  </p:clrMapOvr>
+</p:sld>
+</file>
+
+<file path=ppt/slides/slide6.xml><?xml version="1.0" encoding="utf-8"?>
+<p:sld xmlns:a="http://schemas.openxmlformats.org/drawingml/2006/main" xmlns:r="http://schemas.openxmlformats.org/officeDocument/2006/relationships" xmlns:p="http://schemas.openxmlformats.org/presentationml/2006/main">
+  <p:cSld>
+    <p:spTree>
+      <p:nvGrpSpPr>
+        <p:cNvPr id="1" name=""/>
+        <p:cNvGrpSpPr/>
+        <p:nvPr/>
+      </p:nvGrpSpPr>
+      <p:grpSpPr>
+        <a:xfrm>
+          <a:off x="0" y="0"/>
+          <a:ext cx="0" cy="0"/>
+          <a:chOff x="0" y="0"/>
+          <a:chExt cx="0" cy="0"/>
+        </a:xfrm>
+      </p:grpSpPr>
+      <p:sp>
+        <p:nvSpPr>
+          <p:cNvPr id="2" name="Foliennummernplatzhalter 1">
+            <a:extLst>
+              <a:ext uri="{FF2B5EF4-FFF2-40B4-BE49-F238E27FC236}">
+                <a16:creationId xmlns:a16="http://schemas.microsoft.com/office/drawing/2014/main" id="{56EB0853-5F9F-4E0C-8262-193B96158678}"/>
+              </a:ext>
+            </a:extLst>
+          </p:cNvPr>
+          <p:cNvSpPr>
+            <a:spLocks noGrp="1"/>
+          </p:cNvSpPr>
+          <p:nvPr>
+            <p:ph type="sldNum" sz="quarter" idx="19"/>
+          </p:nvPr>
+        </p:nvSpPr>
+        <p:spPr/>
+        <p:txBody>
+          <a:bodyPr/>
+          <a:lstStyle/>
+          <a:p>
+            <a:fld id="{4D8F3D2B-F07B-4D7B-B9C5-0D64AFCC6303}" type="slidenum">
+              <a:rPr lang="de-DE" smtClean="0"/>
+              <a:t>6</a:t>
+            </a:fld>
+            <a:endParaRPr lang="de-DE"/>
+          </a:p>
+        </p:txBody>
+      </p:sp>
+      <p:sp>
+        <p:nvSpPr>
+          <p:cNvPr id="3" name="Fußzeilenplatzhalter 2">
+            <a:extLst>
+              <a:ext uri="{FF2B5EF4-FFF2-40B4-BE49-F238E27FC236}">
+                <a16:creationId xmlns:a16="http://schemas.microsoft.com/office/drawing/2014/main" id="{BA381B00-C9B1-4604-8650-B232436E6E8F}"/>
+              </a:ext>
+            </a:extLst>
+          </p:cNvPr>
+          <p:cNvSpPr>
+            <a:spLocks noGrp="1"/>
+          </p:cNvSpPr>
+          <p:nvPr>
+            <p:ph type="ftr" sz="quarter" idx="18"/>
+          </p:nvPr>
+        </p:nvSpPr>
+        <p:spPr/>
+        <p:txBody>
+          <a:bodyPr/>
+          <a:lstStyle/>
+          <a:p>
+            <a:r>
+              <a:rPr lang="nb-NO"/>
+              <a:t>Pekka Sagner | 30. Oktober 2020</a:t>
+            </a:r>
+            <a:endParaRPr lang="de-DE"/>
+          </a:p>
+        </p:txBody>
+      </p:sp>
+      <p:sp>
+        <p:nvSpPr>
+          <p:cNvPr id="4" name="Textplatzhalter 3">
+            <a:extLst>
+              <a:ext uri="{FF2B5EF4-FFF2-40B4-BE49-F238E27FC236}">
+                <a16:creationId xmlns:a16="http://schemas.microsoft.com/office/drawing/2014/main" id="{8D0A5F4A-0666-4026-B1B3-EA30C9984CC6}"/>
+              </a:ext>
+            </a:extLst>
+          </p:cNvPr>
+          <p:cNvSpPr>
+            <a:spLocks noGrp="1"/>
+          </p:cNvSpPr>
+          <p:nvPr>
+            <p:ph type="body" sz="quarter" idx="17"/>
+          </p:nvPr>
+        </p:nvSpPr>
+        <p:spPr/>
+        <p:txBody>
+          <a:bodyPr/>
+          <a:lstStyle/>
+          <a:p>
+            <a:endParaRPr lang="de-DE" dirty="0"/>
+          </a:p>
+        </p:txBody>
+      </p:sp>
+      <p:sp>
+        <p:nvSpPr>
+          <p:cNvPr id="6" name="Textplatzhalter 5">
+            <a:extLst>
+              <a:ext uri="{FF2B5EF4-FFF2-40B4-BE49-F238E27FC236}">
+                <a16:creationId xmlns:a16="http://schemas.microsoft.com/office/drawing/2014/main" id="{246F295F-7FE7-4902-BF9A-4F6CF0CD4F05}"/>
+              </a:ext>
+            </a:extLst>
+          </p:cNvPr>
+          <p:cNvSpPr>
+            <a:spLocks noGrp="1"/>
+          </p:cNvSpPr>
+          <p:nvPr>
+            <p:ph type="body" sz="quarter" idx="13"/>
+          </p:nvPr>
+        </p:nvSpPr>
+        <p:spPr/>
+        <p:txBody>
+          <a:bodyPr/>
+          <a:lstStyle/>
+          <a:p>
+            <a:endParaRPr lang="de-DE"/>
+          </a:p>
+        </p:txBody>
+      </p:sp>
+      <p:sp>
+        <p:nvSpPr>
+          <p:cNvPr id="7" name="Titel 6">
+            <a:extLst>
+              <a:ext uri="{FF2B5EF4-FFF2-40B4-BE49-F238E27FC236}">
+                <a16:creationId xmlns:a16="http://schemas.microsoft.com/office/drawing/2014/main" id="{89EEE1F4-3338-4AE0-BCB2-23760E96A259}"/>
+              </a:ext>
+            </a:extLst>
+          </p:cNvPr>
+          <p:cNvSpPr>
+            <a:spLocks noGrp="1"/>
+          </p:cNvSpPr>
+          <p:nvPr>
+            <p:ph type="title"/>
+          </p:nvPr>
+        </p:nvSpPr>
+        <p:spPr/>
+        <p:txBody>
+          <a:bodyPr/>
+          <a:lstStyle/>
+          <a:p>
+            <a:endParaRPr lang="de-DE" dirty="0"/>
+          </a:p>
+        </p:txBody>
+      </p:sp>
+      <p:pic>
+        <p:nvPicPr>
+          <p:cNvPr id="8" name="Grafik 7" descr="Datenbank mit einfarbiger Füllung">
+            <a:extLst>
+              <a:ext uri="{FF2B5EF4-FFF2-40B4-BE49-F238E27FC236}">
+                <a16:creationId xmlns:a16="http://schemas.microsoft.com/office/drawing/2014/main" id="{6558FBD5-EB71-4BCF-B1F1-DCE810E6DC50}"/>
+              </a:ext>
+            </a:extLst>
+          </p:cNvPr>
+          <p:cNvPicPr>
+            <a:picLocks noChangeAspect="1"/>
+          </p:cNvPicPr>
+          <p:nvPr/>
+        </p:nvPicPr>
+        <p:blipFill>
+          <a:blip r:embed="rId2">
+            <a:extLst>
+              <a:ext uri="{28A0092B-C50C-407E-A947-70E740481C1C}">
+                <a14:useLocalDpi xmlns:a14="http://schemas.microsoft.com/office/drawing/2010/main" val="0"/>
+              </a:ext>
+              <a:ext uri="{96DAC541-7B7A-43D3-8B79-37D633B846F1}">
+                <asvg:svgBlip xmlns:asvg="http://schemas.microsoft.com/office/drawing/2016/SVG/main" r:embed="rId3"/>
+              </a:ext>
+            </a:extLst>
+          </a:blip>
+          <a:stretch>
+            <a:fillRect/>
+          </a:stretch>
+        </p:blipFill>
+        <p:spPr>
+          <a:xfrm>
+            <a:off x="518940" y="2410304"/>
+            <a:ext cx="1441764" cy="1441764"/>
+          </a:xfrm>
+          <a:prstGeom prst="rect">
+            <a:avLst/>
+          </a:prstGeom>
+        </p:spPr>
+      </p:pic>
+      <p:pic>
+        <p:nvPicPr>
+          <p:cNvPr id="13" name="Grafik 12" descr="Datenbank mit einfarbiger Füllung">
+            <a:extLst>
+              <a:ext uri="{FF2B5EF4-FFF2-40B4-BE49-F238E27FC236}">
+                <a16:creationId xmlns:a16="http://schemas.microsoft.com/office/drawing/2014/main" id="{06173E2E-1836-4B5B-9C30-EC8817D812A8}"/>
+              </a:ext>
+            </a:extLst>
+          </p:cNvPr>
+          <p:cNvPicPr>
+            <a:picLocks noChangeAspect="1"/>
+          </p:cNvPicPr>
+          <p:nvPr/>
+        </p:nvPicPr>
+        <p:blipFill>
+          <a:blip r:embed="rId4">
+            <a:extLst>
+              <a:ext uri="{28A0092B-C50C-407E-A947-70E740481C1C}">
+                <a14:useLocalDpi xmlns:a14="http://schemas.microsoft.com/office/drawing/2010/main" val="0"/>
+              </a:ext>
+              <a:ext uri="{96DAC541-7B7A-43D3-8B79-37D633B846F1}">
+                <asvg:svgBlip xmlns:asvg="http://schemas.microsoft.com/office/drawing/2016/SVG/main" r:embed="rId5"/>
+              </a:ext>
+            </a:extLst>
+          </a:blip>
+          <a:stretch>
+            <a:fillRect/>
+          </a:stretch>
+        </p:blipFill>
+        <p:spPr>
+          <a:xfrm>
+            <a:off x="2958575" y="1424547"/>
+            <a:ext cx="689473" cy="689473"/>
+          </a:xfrm>
+          <a:prstGeom prst="rect">
+            <a:avLst/>
+          </a:prstGeom>
+        </p:spPr>
+      </p:pic>
+      <p:pic>
+        <p:nvPicPr>
+          <p:cNvPr id="14" name="Grafik 13" descr="Datenbank mit einfarbiger Füllung">
+            <a:extLst>
+              <a:ext uri="{FF2B5EF4-FFF2-40B4-BE49-F238E27FC236}">
+                <a16:creationId xmlns:a16="http://schemas.microsoft.com/office/drawing/2014/main" id="{0BFDF715-BBED-45E9-9C1B-625CA3F7C8E0}"/>
+              </a:ext>
+            </a:extLst>
+          </p:cNvPr>
+          <p:cNvPicPr>
+            <a:picLocks noChangeAspect="1"/>
+          </p:cNvPicPr>
+          <p:nvPr/>
+        </p:nvPicPr>
+        <p:blipFill>
+          <a:blip r:embed="rId6">
+            <a:extLst>
+              <a:ext uri="{28A0092B-C50C-407E-A947-70E740481C1C}">
+                <a14:useLocalDpi xmlns:a14="http://schemas.microsoft.com/office/drawing/2010/main" val="0"/>
+              </a:ext>
+              <a:ext uri="{96DAC541-7B7A-43D3-8B79-37D633B846F1}">
+                <asvg:svgBlip xmlns:asvg="http://schemas.microsoft.com/office/drawing/2016/SVG/main" r:embed="rId7"/>
+              </a:ext>
+            </a:extLst>
+          </a:blip>
+          <a:stretch>
+            <a:fillRect/>
+          </a:stretch>
+        </p:blipFill>
+        <p:spPr>
+          <a:xfrm>
+            <a:off x="2958575" y="2114020"/>
+            <a:ext cx="689473" cy="689473"/>
+          </a:xfrm>
+          <a:prstGeom prst="rect">
+            <a:avLst/>
+          </a:prstGeom>
+        </p:spPr>
+      </p:pic>
+      <p:pic>
+        <p:nvPicPr>
+          <p:cNvPr id="15" name="Grafik 14" descr="Datenbank mit einfarbiger Füllung">
+            <a:extLst>
+              <a:ext uri="{FF2B5EF4-FFF2-40B4-BE49-F238E27FC236}">
+                <a16:creationId xmlns:a16="http://schemas.microsoft.com/office/drawing/2014/main" id="{1592E7BF-8349-4D6E-B18C-F9AB2D6FE763}"/>
+              </a:ext>
+            </a:extLst>
+          </p:cNvPr>
+          <p:cNvPicPr>
+            <a:picLocks noChangeAspect="1"/>
+          </p:cNvPicPr>
+          <p:nvPr/>
+        </p:nvPicPr>
+        <p:blipFill>
+          <a:blip r:embed="rId8">
+            <a:extLst>
+              <a:ext uri="{28A0092B-C50C-407E-A947-70E740481C1C}">
+                <a14:useLocalDpi xmlns:a14="http://schemas.microsoft.com/office/drawing/2010/main" val="0"/>
+              </a:ext>
+              <a:ext uri="{96DAC541-7B7A-43D3-8B79-37D633B846F1}">
+                <asvg:svgBlip xmlns:asvg="http://schemas.microsoft.com/office/drawing/2016/SVG/main" r:embed="rId9"/>
+              </a:ext>
+            </a:extLst>
+          </a:blip>
+          <a:stretch>
+            <a:fillRect/>
+          </a:stretch>
+        </p:blipFill>
+        <p:spPr>
+          <a:xfrm>
+            <a:off x="2958575" y="2803493"/>
+            <a:ext cx="689473" cy="689473"/>
+          </a:xfrm>
+          <a:prstGeom prst="rect">
+            <a:avLst/>
+          </a:prstGeom>
+        </p:spPr>
+      </p:pic>
+      <p:pic>
+        <p:nvPicPr>
+          <p:cNvPr id="17" name="Grafik 16" descr="Datenbank mit einfarbiger Füllung">
+            <a:extLst>
+              <a:ext uri="{FF2B5EF4-FFF2-40B4-BE49-F238E27FC236}">
+                <a16:creationId xmlns:a16="http://schemas.microsoft.com/office/drawing/2014/main" id="{257C3501-DB12-4F63-8B5A-D2298A860778}"/>
+              </a:ext>
+            </a:extLst>
+          </p:cNvPr>
+          <p:cNvPicPr>
+            <a:picLocks noChangeAspect="1"/>
+          </p:cNvPicPr>
+          <p:nvPr/>
+        </p:nvPicPr>
+        <p:blipFill>
+          <a:blip r:embed="rId10">
+            <a:extLst>
+              <a:ext uri="{28A0092B-C50C-407E-A947-70E740481C1C}">
+                <a14:useLocalDpi xmlns:a14="http://schemas.microsoft.com/office/drawing/2010/main" val="0"/>
+              </a:ext>
+              <a:ext uri="{96DAC541-7B7A-43D3-8B79-37D633B846F1}">
+                <asvg:svgBlip xmlns:asvg="http://schemas.microsoft.com/office/drawing/2016/SVG/main" r:embed="rId11"/>
+              </a:ext>
+            </a:extLst>
+          </a:blip>
+          <a:stretch>
+            <a:fillRect/>
+          </a:stretch>
+        </p:blipFill>
+        <p:spPr>
+          <a:xfrm>
+            <a:off x="2958573" y="3547526"/>
+            <a:ext cx="689473" cy="689473"/>
+          </a:xfrm>
+          <a:prstGeom prst="rect">
+            <a:avLst/>
+          </a:prstGeom>
+        </p:spPr>
+      </p:pic>
+      <p:pic>
+        <p:nvPicPr>
+          <p:cNvPr id="18" name="Grafik 17" descr="Datenbank mit einfarbiger Füllung">
+            <a:extLst>
+              <a:ext uri="{FF2B5EF4-FFF2-40B4-BE49-F238E27FC236}">
+                <a16:creationId xmlns:a16="http://schemas.microsoft.com/office/drawing/2014/main" id="{940EFB7E-8F7D-4437-92E8-7D9CFCEF97C6}"/>
+              </a:ext>
+            </a:extLst>
+          </p:cNvPr>
+          <p:cNvPicPr>
+            <a:picLocks noChangeAspect="1"/>
+          </p:cNvPicPr>
+          <p:nvPr/>
+        </p:nvPicPr>
+        <p:blipFill>
+          <a:blip r:embed="rId12">
+            <a:extLst>
+              <a:ext uri="{28A0092B-C50C-407E-A947-70E740481C1C}">
+                <a14:useLocalDpi xmlns:a14="http://schemas.microsoft.com/office/drawing/2010/main" val="0"/>
+              </a:ext>
+              <a:ext uri="{96DAC541-7B7A-43D3-8B79-37D633B846F1}">
+                <asvg:svgBlip xmlns:asvg="http://schemas.microsoft.com/office/drawing/2016/SVG/main" r:embed="rId13"/>
+              </a:ext>
+            </a:extLst>
+          </a:blip>
+          <a:stretch>
+            <a:fillRect/>
+          </a:stretch>
+        </p:blipFill>
+        <p:spPr>
+          <a:xfrm>
+            <a:off x="2958574" y="4314296"/>
+            <a:ext cx="689473" cy="689473"/>
+          </a:xfrm>
+          <a:prstGeom prst="rect">
+            <a:avLst/>
+          </a:prstGeom>
+        </p:spPr>
+      </p:pic>
+      <p:sp>
+        <p:nvSpPr>
+          <p:cNvPr id="9" name="Textfeld 8">
+            <a:extLst>
+              <a:ext uri="{FF2B5EF4-FFF2-40B4-BE49-F238E27FC236}">
+                <a16:creationId xmlns:a16="http://schemas.microsoft.com/office/drawing/2014/main" id="{C8405F6B-A669-451D-895E-A62AEB5FF34B}"/>
+              </a:ext>
+            </a:extLst>
+          </p:cNvPr>
+          <p:cNvSpPr txBox="1"/>
+          <p:nvPr/>
+        </p:nvSpPr>
+        <p:spPr>
+          <a:xfrm>
+            <a:off x="4987961" y="1581896"/>
+            <a:ext cx="815461" cy="453183"/>
+          </a:xfrm>
+          <a:prstGeom prst="rect">
+            <a:avLst/>
+          </a:prstGeom>
+          <a:noFill/>
+          <a:ln>
+            <a:solidFill>
+              <a:schemeClr val="accent1"/>
+            </a:solidFill>
+          </a:ln>
+        </p:spPr>
+        <p:txBody>
+          <a:bodyPr wrap="none" lIns="72000" tIns="72000" rIns="72000" bIns="72000" rtlCol="0">
+            <a:spAutoFit/>
+          </a:bodyPr>
+          <a:lstStyle/>
+          <a:p>
+            <a:pPr algn="l"/>
+            <a:r>
+              <a:rPr lang="de-DE" sz="2000" dirty="0">
+                <a:solidFill>
+                  <a:schemeClr val="accent1"/>
+                </a:solidFill>
+              </a:rPr>
+              <a:t>Abb. 1</a:t>
+            </a:r>
+          </a:p>
+        </p:txBody>
+      </p:sp>
+      <p:sp>
+        <p:nvSpPr>
+          <p:cNvPr id="20" name="Textfeld 19">
+            <a:extLst>
+              <a:ext uri="{FF2B5EF4-FFF2-40B4-BE49-F238E27FC236}">
+                <a16:creationId xmlns:a16="http://schemas.microsoft.com/office/drawing/2014/main" id="{AD1A8341-4121-435A-A713-F119321E4A67}"/>
+              </a:ext>
+            </a:extLst>
+          </p:cNvPr>
+          <p:cNvSpPr txBox="1"/>
+          <p:nvPr/>
+        </p:nvSpPr>
+        <p:spPr>
+          <a:xfrm>
+            <a:off x="4987961" y="2224100"/>
+            <a:ext cx="815461" cy="453183"/>
+          </a:xfrm>
+          <a:prstGeom prst="rect">
+            <a:avLst/>
+          </a:prstGeom>
+          <a:noFill/>
+          <a:ln>
+            <a:solidFill>
+              <a:schemeClr val="accent2"/>
+            </a:solidFill>
+          </a:ln>
+        </p:spPr>
+        <p:txBody>
+          <a:bodyPr wrap="none" lIns="72000" tIns="72000" rIns="72000" bIns="72000" rtlCol="0">
+            <a:spAutoFit/>
+          </a:bodyPr>
+          <a:lstStyle/>
+          <a:p>
+            <a:pPr algn="l"/>
+            <a:r>
+              <a:rPr lang="de-DE" sz="2000" dirty="0">
+                <a:solidFill>
+                  <a:schemeClr val="accent2"/>
+                </a:solidFill>
+              </a:rPr>
+              <a:t>Abb. 2</a:t>
+            </a:r>
+          </a:p>
+        </p:txBody>
+      </p:sp>
+      <p:sp>
+        <p:nvSpPr>
+          <p:cNvPr id="21" name="Textfeld 20">
+            <a:extLst>
+              <a:ext uri="{FF2B5EF4-FFF2-40B4-BE49-F238E27FC236}">
+                <a16:creationId xmlns:a16="http://schemas.microsoft.com/office/drawing/2014/main" id="{6BFA5C59-E20C-4553-84CA-4383BF28A0D2}"/>
+              </a:ext>
+            </a:extLst>
+          </p:cNvPr>
+          <p:cNvSpPr txBox="1"/>
+          <p:nvPr/>
+        </p:nvSpPr>
+        <p:spPr>
+          <a:xfrm>
+            <a:off x="4987961" y="2960842"/>
+            <a:ext cx="815461" cy="453183"/>
+          </a:xfrm>
+          <a:prstGeom prst="rect">
+            <a:avLst/>
+          </a:prstGeom>
+          <a:noFill/>
+          <a:ln>
+            <a:solidFill>
+              <a:schemeClr val="accent3"/>
+            </a:solidFill>
+          </a:ln>
+        </p:spPr>
+        <p:txBody>
+          <a:bodyPr wrap="none" lIns="72000" tIns="72000" rIns="72000" bIns="72000" rtlCol="0">
+            <a:spAutoFit/>
+          </a:bodyPr>
+          <a:lstStyle/>
+          <a:p>
+            <a:pPr algn="l"/>
+            <a:r>
+              <a:rPr lang="de-DE" sz="2000" dirty="0">
+                <a:solidFill>
+                  <a:schemeClr val="accent3"/>
+                </a:solidFill>
+              </a:rPr>
+              <a:t>Abb. 3</a:t>
+            </a:r>
+          </a:p>
+        </p:txBody>
+      </p:sp>
+      <p:sp>
+        <p:nvSpPr>
+          <p:cNvPr id="22" name="Textfeld 21">
+            <a:extLst>
+              <a:ext uri="{FF2B5EF4-FFF2-40B4-BE49-F238E27FC236}">
+                <a16:creationId xmlns:a16="http://schemas.microsoft.com/office/drawing/2014/main" id="{168785A9-4E18-49AF-8DF4-11611199B92D}"/>
+              </a:ext>
+            </a:extLst>
+          </p:cNvPr>
+          <p:cNvSpPr txBox="1"/>
+          <p:nvPr/>
+        </p:nvSpPr>
+        <p:spPr>
+          <a:xfrm>
+            <a:off x="4987960" y="3699219"/>
+            <a:ext cx="815461" cy="453183"/>
+          </a:xfrm>
+          <a:prstGeom prst="rect">
+            <a:avLst/>
+          </a:prstGeom>
+          <a:noFill/>
+          <a:ln>
+            <a:solidFill>
+              <a:schemeClr val="accent4"/>
+            </a:solidFill>
+          </a:ln>
+        </p:spPr>
+        <p:txBody>
+          <a:bodyPr wrap="none" lIns="72000" tIns="72000" rIns="72000" bIns="72000" rtlCol="0">
+            <a:spAutoFit/>
+          </a:bodyPr>
+          <a:lstStyle/>
+          <a:p>
+            <a:pPr algn="l"/>
+            <a:r>
+              <a:rPr lang="de-DE" sz="2000" dirty="0">
+                <a:solidFill>
+                  <a:schemeClr val="accent4"/>
+                </a:solidFill>
+              </a:rPr>
+              <a:t>Abb. 4</a:t>
+            </a:r>
+          </a:p>
+        </p:txBody>
+      </p:sp>
+      <p:sp>
+        <p:nvSpPr>
+          <p:cNvPr id="23" name="Textfeld 22">
+            <a:extLst>
+              <a:ext uri="{FF2B5EF4-FFF2-40B4-BE49-F238E27FC236}">
+                <a16:creationId xmlns:a16="http://schemas.microsoft.com/office/drawing/2014/main" id="{DD1EE11A-4324-4582-B4C5-ABB54178DDE5}"/>
+              </a:ext>
+            </a:extLst>
+          </p:cNvPr>
+          <p:cNvSpPr txBox="1"/>
+          <p:nvPr/>
+        </p:nvSpPr>
+        <p:spPr>
+          <a:xfrm>
+            <a:off x="4987959" y="4517139"/>
+            <a:ext cx="815461" cy="453183"/>
+          </a:xfrm>
+          <a:prstGeom prst="rect">
+            <a:avLst/>
+          </a:prstGeom>
+          <a:noFill/>
+          <a:ln>
+            <a:solidFill>
+              <a:schemeClr val="accent5"/>
+            </a:solidFill>
+          </a:ln>
+        </p:spPr>
+        <p:txBody>
+          <a:bodyPr wrap="none" lIns="72000" tIns="72000" rIns="72000" bIns="72000" rtlCol="0">
+            <a:spAutoFit/>
+          </a:bodyPr>
+          <a:lstStyle/>
+          <a:p>
+            <a:pPr algn="l"/>
+            <a:r>
+              <a:rPr lang="de-DE" sz="2000" dirty="0">
+                <a:solidFill>
+                  <a:schemeClr val="accent5"/>
+                </a:solidFill>
+              </a:rPr>
+              <a:t>Abb. 5</a:t>
+            </a:r>
+          </a:p>
+        </p:txBody>
+      </p:sp>
+      <p:sp>
+        <p:nvSpPr>
+          <p:cNvPr id="25" name="Pfeil: nach rechts 24">
+            <a:extLst>
+              <a:ext uri="{FF2B5EF4-FFF2-40B4-BE49-F238E27FC236}">
+                <a16:creationId xmlns:a16="http://schemas.microsoft.com/office/drawing/2014/main" id="{A02D64EC-8655-499E-A93A-77BAE3687A71}"/>
+              </a:ext>
+            </a:extLst>
+          </p:cNvPr>
+          <p:cNvSpPr/>
+          <p:nvPr/>
+        </p:nvSpPr>
+        <p:spPr>
+          <a:xfrm rot="19017897">
+            <a:off x="1727471" y="2248250"/>
+            <a:ext cx="1213665" cy="283453"/>
+          </a:xfrm>
+          <a:prstGeom prst="rightArrow">
+            <a:avLst/>
+          </a:prstGeom>
+          <a:noFill/>
+          <a:ln w="9525" cap="flat" cmpd="sng" algn="ctr">
+            <a:solidFill>
+              <a:schemeClr val="accent1"/>
+            </a:solidFill>
+            <a:prstDash val="solid"/>
+            <a:round/>
+            <a:headEnd type="none" w="med" len="med"/>
+            <a:tailEnd type="none" w="med" len="med"/>
+          </a:ln>
+        </p:spPr>
+        <p:style>
+          <a:lnRef idx="0">
+            <a:scrgbClr r="0" g="0" b="0"/>
+          </a:lnRef>
+          <a:fillRef idx="0">
+            <a:scrgbClr r="0" g="0" b="0"/>
+          </a:fillRef>
+          <a:effectRef idx="0">
+            <a:scrgbClr r="0" g="0" b="0"/>
+          </a:effectRef>
+          <a:fontRef idx="minor">
+            <a:schemeClr val="accent1"/>
+          </a:fontRef>
+        </p:style>
+        <p:txBody>
+          <a:bodyPr rot="0" spcFirstLastPara="0" vertOverflow="overflow" horzOverflow="overflow" vert="horz" wrap="square" lIns="72000" tIns="72000" rIns="72000" bIns="72000" numCol="1" spcCol="0" rtlCol="0" fromWordArt="0" anchor="ctr" anchorCtr="0" forceAA="0" compatLnSpc="1">
+            <a:prstTxWarp prst="textNoShape">
+              <a:avLst/>
+            </a:prstTxWarp>
+            <a:noAutofit/>
+          </a:bodyPr>
+          <a:lstStyle/>
+          <a:p>
+            <a:pPr algn="ctr"/>
+            <a:endParaRPr lang="de-DE" sz="2000" dirty="0"/>
+          </a:p>
+        </p:txBody>
+      </p:sp>
+      <p:sp>
+        <p:nvSpPr>
+          <p:cNvPr id="26" name="Pfeil: nach rechts 25">
+            <a:extLst>
+              <a:ext uri="{FF2B5EF4-FFF2-40B4-BE49-F238E27FC236}">
+                <a16:creationId xmlns:a16="http://schemas.microsoft.com/office/drawing/2014/main" id="{EF408A77-7635-4770-81F7-9FE0FD229C15}"/>
+              </a:ext>
+            </a:extLst>
+          </p:cNvPr>
+          <p:cNvSpPr/>
+          <p:nvPr/>
+        </p:nvSpPr>
+        <p:spPr>
+          <a:xfrm>
+            <a:off x="3697342" y="1656654"/>
+            <a:ext cx="1122630" cy="283453"/>
+          </a:xfrm>
+          <a:prstGeom prst="rightArrow">
+            <a:avLst/>
+          </a:prstGeom>
+          <a:noFill/>
+          <a:ln w="9525" cap="flat" cmpd="sng" algn="ctr">
+            <a:solidFill>
+              <a:schemeClr val="accent1"/>
+            </a:solidFill>
+            <a:prstDash val="solid"/>
+            <a:round/>
+            <a:headEnd type="none" w="med" len="med"/>
+            <a:tailEnd type="none" w="med" len="med"/>
+          </a:ln>
+        </p:spPr>
+        <p:style>
+          <a:lnRef idx="0">
+            <a:scrgbClr r="0" g="0" b="0"/>
+          </a:lnRef>
+          <a:fillRef idx="0">
+            <a:scrgbClr r="0" g="0" b="0"/>
+          </a:fillRef>
+          <a:effectRef idx="0">
+            <a:scrgbClr r="0" g="0" b="0"/>
+          </a:effectRef>
+          <a:fontRef idx="minor">
+            <a:schemeClr val="accent1"/>
+          </a:fontRef>
+        </p:style>
+        <p:txBody>
+          <a:bodyPr rot="0" spcFirstLastPara="0" vertOverflow="overflow" horzOverflow="overflow" vert="horz" wrap="square" lIns="72000" tIns="72000" rIns="72000" bIns="72000" numCol="1" spcCol="0" rtlCol="0" fromWordArt="0" anchor="ctr" anchorCtr="0" forceAA="0" compatLnSpc="1">
+            <a:prstTxWarp prst="textNoShape">
+              <a:avLst/>
+            </a:prstTxWarp>
+            <a:noAutofit/>
+          </a:bodyPr>
+          <a:lstStyle/>
+          <a:p>
+            <a:pPr algn="ctr"/>
+            <a:endParaRPr lang="de-DE" sz="2000" dirty="0"/>
+          </a:p>
+        </p:txBody>
+      </p:sp>
+      <p:sp>
+        <p:nvSpPr>
+          <p:cNvPr id="27" name="Pfeil: nach rechts 26">
+            <a:extLst>
+              <a:ext uri="{FF2B5EF4-FFF2-40B4-BE49-F238E27FC236}">
+                <a16:creationId xmlns:a16="http://schemas.microsoft.com/office/drawing/2014/main" id="{1B6A3C56-8262-48CF-8F0A-5268707CB50E}"/>
+              </a:ext>
+            </a:extLst>
+          </p:cNvPr>
+          <p:cNvSpPr/>
+          <p:nvPr/>
+        </p:nvSpPr>
+        <p:spPr>
+          <a:xfrm rot="2582103" flipV="1">
+            <a:off x="1727469" y="3710341"/>
+            <a:ext cx="1213665" cy="283453"/>
+          </a:xfrm>
+          <a:prstGeom prst="rightArrow">
+            <a:avLst/>
+          </a:prstGeom>
+          <a:noFill/>
+          <a:ln w="9525" cap="flat" cmpd="sng" algn="ctr">
+            <a:solidFill>
+              <a:schemeClr val="accent1"/>
+            </a:solidFill>
+            <a:prstDash val="solid"/>
+            <a:round/>
+            <a:headEnd type="none" w="med" len="med"/>
+            <a:tailEnd type="none" w="med" len="med"/>
+          </a:ln>
+        </p:spPr>
+        <p:style>
+          <a:lnRef idx="0">
+            <a:scrgbClr r="0" g="0" b="0"/>
+          </a:lnRef>
+          <a:fillRef idx="0">
+            <a:scrgbClr r="0" g="0" b="0"/>
+          </a:fillRef>
+          <a:effectRef idx="0">
+            <a:scrgbClr r="0" g="0" b="0"/>
+          </a:effectRef>
+          <a:fontRef idx="minor">
+            <a:schemeClr val="accent1"/>
+          </a:fontRef>
+        </p:style>
+        <p:txBody>
+          <a:bodyPr rot="0" spcFirstLastPara="0" vertOverflow="overflow" horzOverflow="overflow" vert="horz" wrap="square" lIns="72000" tIns="72000" rIns="72000" bIns="72000" numCol="1" spcCol="0" rtlCol="0" fromWordArt="0" anchor="ctr" anchorCtr="0" forceAA="0" compatLnSpc="1">
+            <a:prstTxWarp prst="textNoShape">
+              <a:avLst/>
+            </a:prstTxWarp>
+            <a:noAutofit/>
+          </a:bodyPr>
+          <a:lstStyle/>
+          <a:p>
+            <a:pPr algn="ctr"/>
+            <a:endParaRPr lang="de-DE" sz="2000" dirty="0"/>
+          </a:p>
+        </p:txBody>
+      </p:sp>
+      <p:sp>
+        <p:nvSpPr>
+          <p:cNvPr id="28" name="Pfeil: nach rechts 27">
+            <a:extLst>
+              <a:ext uri="{FF2B5EF4-FFF2-40B4-BE49-F238E27FC236}">
+                <a16:creationId xmlns:a16="http://schemas.microsoft.com/office/drawing/2014/main" id="{05E18F09-D3CC-476E-B3BF-80178175474D}"/>
+              </a:ext>
+            </a:extLst>
+          </p:cNvPr>
+          <p:cNvSpPr/>
+          <p:nvPr/>
+        </p:nvSpPr>
+        <p:spPr>
+          <a:xfrm>
+            <a:off x="3697342" y="2315876"/>
+            <a:ext cx="1122630" cy="283453"/>
+          </a:xfrm>
+          <a:prstGeom prst="rightArrow">
+            <a:avLst/>
+          </a:prstGeom>
+          <a:noFill/>
+          <a:ln w="9525" cap="flat" cmpd="sng" algn="ctr">
+            <a:solidFill>
+              <a:schemeClr val="accent1"/>
+            </a:solidFill>
+            <a:prstDash val="solid"/>
+            <a:round/>
+            <a:headEnd type="none" w="med" len="med"/>
+            <a:tailEnd type="none" w="med" len="med"/>
+          </a:ln>
+        </p:spPr>
+        <p:style>
+          <a:lnRef idx="0">
+            <a:scrgbClr r="0" g="0" b="0"/>
+          </a:lnRef>
+          <a:fillRef idx="0">
+            <a:scrgbClr r="0" g="0" b="0"/>
+          </a:fillRef>
+          <a:effectRef idx="0">
+            <a:scrgbClr r="0" g="0" b="0"/>
+          </a:effectRef>
+          <a:fontRef idx="minor">
+            <a:schemeClr val="accent1"/>
+          </a:fontRef>
+        </p:style>
+        <p:txBody>
+          <a:bodyPr rot="0" spcFirstLastPara="0" vertOverflow="overflow" horzOverflow="overflow" vert="horz" wrap="square" lIns="72000" tIns="72000" rIns="72000" bIns="72000" numCol="1" spcCol="0" rtlCol="0" fromWordArt="0" anchor="ctr" anchorCtr="0" forceAA="0" compatLnSpc="1">
+            <a:prstTxWarp prst="textNoShape">
+              <a:avLst/>
+            </a:prstTxWarp>
+            <a:noAutofit/>
+          </a:bodyPr>
+          <a:lstStyle/>
+          <a:p>
+            <a:pPr algn="ctr"/>
+            <a:endParaRPr lang="de-DE" sz="2000" dirty="0"/>
+          </a:p>
+        </p:txBody>
+      </p:sp>
+      <p:sp>
+        <p:nvSpPr>
+          <p:cNvPr id="29" name="Pfeil: nach rechts 28">
+            <a:extLst>
+              <a:ext uri="{FF2B5EF4-FFF2-40B4-BE49-F238E27FC236}">
+                <a16:creationId xmlns:a16="http://schemas.microsoft.com/office/drawing/2014/main" id="{06B8D2D7-383B-4EC4-94FA-4EACD4512A43}"/>
+              </a:ext>
+            </a:extLst>
+          </p:cNvPr>
+          <p:cNvSpPr/>
+          <p:nvPr/>
+        </p:nvSpPr>
+        <p:spPr>
+          <a:xfrm>
+            <a:off x="3697342" y="3030035"/>
+            <a:ext cx="1122630" cy="283453"/>
+          </a:xfrm>
+          <a:prstGeom prst="rightArrow">
+            <a:avLst/>
+          </a:prstGeom>
+          <a:noFill/>
+          <a:ln w="9525" cap="flat" cmpd="sng" algn="ctr">
+            <a:solidFill>
+              <a:schemeClr val="accent1"/>
+            </a:solidFill>
+            <a:prstDash val="solid"/>
+            <a:round/>
+            <a:headEnd type="none" w="med" len="med"/>
+            <a:tailEnd type="none" w="med" len="med"/>
+          </a:ln>
+        </p:spPr>
+        <p:style>
+          <a:lnRef idx="0">
+            <a:scrgbClr r="0" g="0" b="0"/>
+          </a:lnRef>
+          <a:fillRef idx="0">
+            <a:scrgbClr r="0" g="0" b="0"/>
+          </a:fillRef>
+          <a:effectRef idx="0">
+            <a:scrgbClr r="0" g="0" b="0"/>
+          </a:effectRef>
+          <a:fontRef idx="minor">
+            <a:schemeClr val="accent1"/>
+          </a:fontRef>
+        </p:style>
+        <p:txBody>
+          <a:bodyPr rot="0" spcFirstLastPara="0" vertOverflow="overflow" horzOverflow="overflow" vert="horz" wrap="square" lIns="72000" tIns="72000" rIns="72000" bIns="72000" numCol="1" spcCol="0" rtlCol="0" fromWordArt="0" anchor="ctr" anchorCtr="0" forceAA="0" compatLnSpc="1">
+            <a:prstTxWarp prst="textNoShape">
+              <a:avLst/>
+            </a:prstTxWarp>
+            <a:noAutofit/>
+          </a:bodyPr>
+          <a:lstStyle/>
+          <a:p>
+            <a:pPr algn="ctr"/>
+            <a:endParaRPr lang="de-DE" sz="2000" dirty="0"/>
+          </a:p>
+        </p:txBody>
+      </p:sp>
+      <p:sp>
+        <p:nvSpPr>
+          <p:cNvPr id="30" name="Pfeil: nach rechts 29">
+            <a:extLst>
+              <a:ext uri="{FF2B5EF4-FFF2-40B4-BE49-F238E27FC236}">
+                <a16:creationId xmlns:a16="http://schemas.microsoft.com/office/drawing/2014/main" id="{03ED573E-CB4D-4F18-8530-DC35D5B1F5AF}"/>
+              </a:ext>
+            </a:extLst>
+          </p:cNvPr>
+          <p:cNvSpPr/>
+          <p:nvPr/>
+        </p:nvSpPr>
+        <p:spPr>
+          <a:xfrm>
+            <a:off x="3697342" y="3810391"/>
+            <a:ext cx="1122630" cy="283453"/>
+          </a:xfrm>
+          <a:prstGeom prst="rightArrow">
+            <a:avLst/>
+          </a:prstGeom>
+          <a:noFill/>
+          <a:ln w="9525" cap="flat" cmpd="sng" algn="ctr">
+            <a:solidFill>
+              <a:schemeClr val="accent1"/>
+            </a:solidFill>
+            <a:prstDash val="solid"/>
+            <a:round/>
+            <a:headEnd type="none" w="med" len="med"/>
+            <a:tailEnd type="none" w="med" len="med"/>
+          </a:ln>
+        </p:spPr>
+        <p:style>
+          <a:lnRef idx="0">
+            <a:scrgbClr r="0" g="0" b="0"/>
+          </a:lnRef>
+          <a:fillRef idx="0">
+            <a:scrgbClr r="0" g="0" b="0"/>
+          </a:fillRef>
+          <a:effectRef idx="0">
+            <a:scrgbClr r="0" g="0" b="0"/>
+          </a:effectRef>
+          <a:fontRef idx="minor">
+            <a:schemeClr val="accent1"/>
+          </a:fontRef>
+        </p:style>
+        <p:txBody>
+          <a:bodyPr rot="0" spcFirstLastPara="0" vertOverflow="overflow" horzOverflow="overflow" vert="horz" wrap="square" lIns="72000" tIns="72000" rIns="72000" bIns="72000" numCol="1" spcCol="0" rtlCol="0" fromWordArt="0" anchor="ctr" anchorCtr="0" forceAA="0" compatLnSpc="1">
+            <a:prstTxWarp prst="textNoShape">
+              <a:avLst/>
+            </a:prstTxWarp>
+            <a:noAutofit/>
+          </a:bodyPr>
+          <a:lstStyle/>
+          <a:p>
+            <a:pPr algn="ctr"/>
+            <a:endParaRPr lang="de-DE" sz="2000" dirty="0"/>
+          </a:p>
+        </p:txBody>
+      </p:sp>
+      <p:sp>
+        <p:nvSpPr>
+          <p:cNvPr id="31" name="Pfeil: nach rechts 30">
+            <a:extLst>
+              <a:ext uri="{FF2B5EF4-FFF2-40B4-BE49-F238E27FC236}">
+                <a16:creationId xmlns:a16="http://schemas.microsoft.com/office/drawing/2014/main" id="{AC576F5D-69F7-4B32-B430-DC2A5C1ED719}"/>
+              </a:ext>
+            </a:extLst>
+          </p:cNvPr>
+          <p:cNvSpPr/>
+          <p:nvPr/>
+        </p:nvSpPr>
+        <p:spPr>
+          <a:xfrm>
+            <a:off x="3697342" y="4602003"/>
+            <a:ext cx="1122630" cy="283453"/>
+          </a:xfrm>
+          <a:prstGeom prst="rightArrow">
+            <a:avLst/>
+          </a:prstGeom>
+          <a:noFill/>
+          <a:ln w="9525" cap="flat" cmpd="sng" algn="ctr">
+            <a:solidFill>
+              <a:schemeClr val="accent1"/>
+            </a:solidFill>
+            <a:prstDash val="solid"/>
+            <a:round/>
+            <a:headEnd type="none" w="med" len="med"/>
+            <a:tailEnd type="none" w="med" len="med"/>
+          </a:ln>
+        </p:spPr>
+        <p:style>
+          <a:lnRef idx="0">
+            <a:scrgbClr r="0" g="0" b="0"/>
+          </a:lnRef>
+          <a:fillRef idx="0">
+            <a:scrgbClr r="0" g="0" b="0"/>
+          </a:fillRef>
+          <a:effectRef idx="0">
+            <a:scrgbClr r="0" g="0" b="0"/>
+          </a:effectRef>
+          <a:fontRef idx="minor">
+            <a:schemeClr val="accent1"/>
+          </a:fontRef>
+        </p:style>
+        <p:txBody>
+          <a:bodyPr rot="0" spcFirstLastPara="0" vertOverflow="overflow" horzOverflow="overflow" vert="horz" wrap="square" lIns="72000" tIns="72000" rIns="72000" bIns="72000" numCol="1" spcCol="0" rtlCol="0" fromWordArt="0" anchor="ctr" anchorCtr="0" forceAA="0" compatLnSpc="1">
+            <a:prstTxWarp prst="textNoShape">
+              <a:avLst/>
+            </a:prstTxWarp>
+            <a:noAutofit/>
+          </a:bodyPr>
+          <a:lstStyle/>
+          <a:p>
+            <a:pPr algn="ctr"/>
+            <a:endParaRPr lang="de-DE" sz="2000" dirty="0"/>
+          </a:p>
+        </p:txBody>
+      </p:sp>
+      <p:sp>
+        <p:nvSpPr>
+          <p:cNvPr id="32" name="Pfeil: nach rechts 31">
+            <a:extLst>
+              <a:ext uri="{FF2B5EF4-FFF2-40B4-BE49-F238E27FC236}">
+                <a16:creationId xmlns:a16="http://schemas.microsoft.com/office/drawing/2014/main" id="{4E3C15ED-DA69-4328-A054-661FEEC5725B}"/>
+              </a:ext>
+            </a:extLst>
+          </p:cNvPr>
+          <p:cNvSpPr/>
+          <p:nvPr/>
+        </p:nvSpPr>
+        <p:spPr>
+          <a:xfrm rot="1614263">
+            <a:off x="5934952" y="2174486"/>
+            <a:ext cx="1858738" cy="283453"/>
+          </a:xfrm>
+          <a:prstGeom prst="rightArrow">
+            <a:avLst/>
+          </a:prstGeom>
+          <a:noFill/>
+          <a:ln w="9525" cap="flat" cmpd="sng" algn="ctr">
+            <a:solidFill>
+              <a:schemeClr val="accent1"/>
+            </a:solidFill>
+            <a:prstDash val="solid"/>
+            <a:round/>
+            <a:headEnd type="none" w="med" len="med"/>
+            <a:tailEnd type="none" w="med" len="med"/>
+          </a:ln>
+        </p:spPr>
+        <p:style>
+          <a:lnRef idx="0">
+            <a:scrgbClr r="0" g="0" b="0"/>
+          </a:lnRef>
+          <a:fillRef idx="0">
+            <a:scrgbClr r="0" g="0" b="0"/>
+          </a:fillRef>
+          <a:effectRef idx="0">
+            <a:scrgbClr r="0" g="0" b="0"/>
+          </a:effectRef>
+          <a:fontRef idx="minor">
+            <a:schemeClr val="accent1"/>
+          </a:fontRef>
+        </p:style>
+        <p:txBody>
+          <a:bodyPr rot="0" spcFirstLastPara="0" vertOverflow="overflow" horzOverflow="overflow" vert="horz" wrap="square" lIns="72000" tIns="72000" rIns="72000" bIns="72000" numCol="1" spcCol="0" rtlCol="0" fromWordArt="0" anchor="ctr" anchorCtr="0" forceAA="0" compatLnSpc="1">
+            <a:prstTxWarp prst="textNoShape">
+              <a:avLst/>
+            </a:prstTxWarp>
+            <a:noAutofit/>
+          </a:bodyPr>
+          <a:lstStyle/>
+          <a:p>
+            <a:pPr algn="ctr"/>
+            <a:endParaRPr lang="de-DE" sz="2000" dirty="0"/>
+          </a:p>
+        </p:txBody>
+      </p:sp>
+      <p:sp>
+        <p:nvSpPr>
+          <p:cNvPr id="33" name="Pfeil: nach rechts 32">
+            <a:extLst>
+              <a:ext uri="{FF2B5EF4-FFF2-40B4-BE49-F238E27FC236}">
+                <a16:creationId xmlns:a16="http://schemas.microsoft.com/office/drawing/2014/main" id="{FF7DF1D9-9107-4CB5-9C23-DFD42A6D13C7}"/>
+              </a:ext>
+            </a:extLst>
+          </p:cNvPr>
+          <p:cNvSpPr/>
+          <p:nvPr/>
+        </p:nvSpPr>
+        <p:spPr>
+          <a:xfrm rot="19985737" flipV="1">
+            <a:off x="5934946" y="4115507"/>
+            <a:ext cx="1858738" cy="283453"/>
+          </a:xfrm>
+          <a:prstGeom prst="rightArrow">
+            <a:avLst/>
+          </a:prstGeom>
+          <a:noFill/>
+          <a:ln w="9525" cap="flat" cmpd="sng" algn="ctr">
+            <a:solidFill>
+              <a:schemeClr val="accent1"/>
+            </a:solidFill>
+            <a:prstDash val="solid"/>
+            <a:round/>
+            <a:headEnd type="none" w="med" len="med"/>
+            <a:tailEnd type="none" w="med" len="med"/>
+          </a:ln>
+        </p:spPr>
+        <p:style>
+          <a:lnRef idx="0">
+            <a:scrgbClr r="0" g="0" b="0"/>
+          </a:lnRef>
+          <a:fillRef idx="0">
+            <a:scrgbClr r="0" g="0" b="0"/>
+          </a:fillRef>
+          <a:effectRef idx="0">
+            <a:scrgbClr r="0" g="0" b="0"/>
+          </a:effectRef>
+          <a:fontRef idx="minor">
+            <a:schemeClr val="accent1"/>
+          </a:fontRef>
+        </p:style>
+        <p:txBody>
+          <a:bodyPr rot="0" spcFirstLastPara="0" vertOverflow="overflow" horzOverflow="overflow" vert="horz" wrap="square" lIns="72000" tIns="72000" rIns="72000" bIns="72000" numCol="1" spcCol="0" rtlCol="0" fromWordArt="0" anchor="ctr" anchorCtr="0" forceAA="0" compatLnSpc="1">
+            <a:prstTxWarp prst="textNoShape">
+              <a:avLst/>
+            </a:prstTxWarp>
+            <a:noAutofit/>
+          </a:bodyPr>
+          <a:lstStyle/>
+          <a:p>
+            <a:pPr algn="ctr"/>
+            <a:endParaRPr lang="de-DE" sz="2000" dirty="0"/>
+          </a:p>
+        </p:txBody>
+      </p:sp>
+      <p:pic>
+        <p:nvPicPr>
+          <p:cNvPr id="35" name="Grafik 34" descr="Filmstreifen Silhouette">
+            <a:extLst>
+              <a:ext uri="{FF2B5EF4-FFF2-40B4-BE49-F238E27FC236}">
+                <a16:creationId xmlns:a16="http://schemas.microsoft.com/office/drawing/2014/main" id="{270A9EF4-1974-4D5C-9AC7-34279AB4CCF8}"/>
+              </a:ext>
+            </a:extLst>
+          </p:cNvPr>
+          <p:cNvPicPr>
+            <a:picLocks noChangeAspect="1"/>
+          </p:cNvPicPr>
+          <p:nvPr/>
+        </p:nvPicPr>
+        <p:blipFill>
+          <a:blip r:embed="rId14">
+            <a:extLst>
+              <a:ext uri="{28A0092B-C50C-407E-A947-70E740481C1C}">
+                <a14:useLocalDpi xmlns:a14="http://schemas.microsoft.com/office/drawing/2010/main" val="0"/>
+              </a:ext>
+              <a:ext uri="{96DAC541-7B7A-43D3-8B79-37D633B846F1}">
+                <asvg:svgBlip xmlns:asvg="http://schemas.microsoft.com/office/drawing/2016/SVG/main" r:embed="rId15"/>
+              </a:ext>
+            </a:extLst>
+          </a:blip>
+          <a:stretch>
+            <a:fillRect/>
+          </a:stretch>
+        </p:blipFill>
+        <p:spPr>
+          <a:xfrm>
+            <a:off x="7630573" y="1879710"/>
+            <a:ext cx="1826765" cy="1826765"/>
+          </a:xfrm>
+          <a:prstGeom prst="rect">
+            <a:avLst/>
+          </a:prstGeom>
+        </p:spPr>
+      </p:pic>
+      <p:sp>
+        <p:nvSpPr>
+          <p:cNvPr id="37" name="Textfeld 36">
+            <a:extLst>
+              <a:ext uri="{FF2B5EF4-FFF2-40B4-BE49-F238E27FC236}">
+                <a16:creationId xmlns:a16="http://schemas.microsoft.com/office/drawing/2014/main" id="{42ED9353-A415-4C5C-89BD-12D08A95C17B}"/>
+              </a:ext>
+            </a:extLst>
+          </p:cNvPr>
+          <p:cNvSpPr txBox="1"/>
+          <p:nvPr/>
+        </p:nvSpPr>
+        <p:spPr>
+          <a:xfrm>
+            <a:off x="8136222" y="2050763"/>
+            <a:ext cx="815461" cy="453183"/>
+          </a:xfrm>
+          <a:prstGeom prst="rect">
+            <a:avLst/>
+          </a:prstGeom>
+          <a:noFill/>
+          <a:ln>
+            <a:solidFill>
+              <a:schemeClr val="accent1"/>
+            </a:solidFill>
+          </a:ln>
+        </p:spPr>
+        <p:txBody>
+          <a:bodyPr wrap="none" lIns="72000" tIns="72000" rIns="72000" bIns="72000" rtlCol="0">
+            <a:spAutoFit/>
+          </a:bodyPr>
+          <a:lstStyle/>
+          <a:p>
+            <a:pPr algn="l"/>
+            <a:r>
+              <a:rPr lang="de-DE" sz="2000" dirty="0">
+                <a:solidFill>
+                  <a:schemeClr val="accent1"/>
+                </a:solidFill>
+              </a:rPr>
+              <a:t>Abb. 1</a:t>
+            </a:r>
+          </a:p>
+        </p:txBody>
+      </p:sp>
+      <p:sp>
+        <p:nvSpPr>
+          <p:cNvPr id="39" name="Textfeld 38">
+            <a:extLst>
+              <a:ext uri="{FF2B5EF4-FFF2-40B4-BE49-F238E27FC236}">
+                <a16:creationId xmlns:a16="http://schemas.microsoft.com/office/drawing/2014/main" id="{6ADEB34C-780A-48AF-B05A-2B38423274F0}"/>
+              </a:ext>
+            </a:extLst>
+          </p:cNvPr>
+          <p:cNvSpPr txBox="1"/>
+          <p:nvPr/>
+        </p:nvSpPr>
+        <p:spPr>
+          <a:xfrm>
+            <a:off x="8158405" y="3081043"/>
+            <a:ext cx="815461" cy="453183"/>
+          </a:xfrm>
+          <a:prstGeom prst="rect">
+            <a:avLst/>
+          </a:prstGeom>
+          <a:noFill/>
+          <a:ln>
+            <a:solidFill>
+              <a:schemeClr val="accent3"/>
+            </a:solidFill>
+          </a:ln>
+        </p:spPr>
+        <p:txBody>
+          <a:bodyPr wrap="none" lIns="72000" tIns="72000" rIns="72000" bIns="72000" rtlCol="0">
+            <a:spAutoFit/>
+          </a:bodyPr>
+          <a:lstStyle/>
+          <a:p>
+            <a:pPr algn="l"/>
+            <a:r>
+              <a:rPr lang="de-DE" sz="2000" dirty="0">
+                <a:solidFill>
+                  <a:schemeClr val="accent3"/>
+                </a:solidFill>
+              </a:rPr>
+              <a:t>Abb. 3</a:t>
+            </a:r>
+          </a:p>
+        </p:txBody>
+      </p:sp>
+      <p:sp>
+        <p:nvSpPr>
+          <p:cNvPr id="40" name="Textfeld 39">
+            <a:extLst>
+              <a:ext uri="{FF2B5EF4-FFF2-40B4-BE49-F238E27FC236}">
+                <a16:creationId xmlns:a16="http://schemas.microsoft.com/office/drawing/2014/main" id="{2D93EECA-D38B-4B83-B6A0-EE7A9A9AA8BD}"/>
+              </a:ext>
+            </a:extLst>
+          </p:cNvPr>
+          <p:cNvSpPr txBox="1"/>
+          <p:nvPr/>
+        </p:nvSpPr>
+        <p:spPr>
+          <a:xfrm>
+            <a:off x="8136222" y="3531389"/>
+            <a:ext cx="815461" cy="453183"/>
+          </a:xfrm>
+          <a:prstGeom prst="rect">
+            <a:avLst/>
+          </a:prstGeom>
+          <a:noFill/>
+          <a:ln>
+            <a:solidFill>
+              <a:schemeClr val="accent4"/>
+            </a:solidFill>
+          </a:ln>
+        </p:spPr>
+        <p:txBody>
+          <a:bodyPr wrap="square" lIns="72000" tIns="72000" rIns="72000" bIns="72000" rtlCol="0">
+            <a:spAutoFit/>
+          </a:bodyPr>
+          <a:lstStyle/>
+          <a:p>
+            <a:pPr algn="l"/>
+            <a:r>
+              <a:rPr lang="de-DE" sz="2000" dirty="0">
+                <a:solidFill>
+                  <a:schemeClr val="accent4"/>
+                </a:solidFill>
+              </a:rPr>
+              <a:t>Abb. 4</a:t>
+            </a:r>
+          </a:p>
+        </p:txBody>
+      </p:sp>
+      <p:sp>
+        <p:nvSpPr>
+          <p:cNvPr id="41" name="Textfeld 40">
+            <a:extLst>
+              <a:ext uri="{FF2B5EF4-FFF2-40B4-BE49-F238E27FC236}">
+                <a16:creationId xmlns:a16="http://schemas.microsoft.com/office/drawing/2014/main" id="{50436DD0-9554-478C-B0DB-B1891F1B769C}"/>
+              </a:ext>
+            </a:extLst>
+          </p:cNvPr>
+          <p:cNvSpPr txBox="1"/>
+          <p:nvPr/>
+        </p:nvSpPr>
+        <p:spPr>
+          <a:xfrm>
+            <a:off x="8136221" y="4071722"/>
+            <a:ext cx="815461" cy="453183"/>
+          </a:xfrm>
+          <a:prstGeom prst="rect">
+            <a:avLst/>
+          </a:prstGeom>
+          <a:noFill/>
+          <a:ln>
+            <a:solidFill>
+              <a:schemeClr val="accent5"/>
+            </a:solidFill>
+          </a:ln>
+        </p:spPr>
+        <p:txBody>
+          <a:bodyPr wrap="square" lIns="72000" tIns="72000" rIns="72000" bIns="72000" rtlCol="0">
+            <a:spAutoFit/>
+          </a:bodyPr>
+          <a:lstStyle/>
+          <a:p>
+            <a:pPr algn="l"/>
+            <a:r>
+              <a:rPr lang="de-DE" sz="2000" dirty="0">
+                <a:solidFill>
+                  <a:schemeClr val="accent5"/>
+                </a:solidFill>
+              </a:rPr>
+              <a:t>Abb. 5</a:t>
+            </a:r>
+          </a:p>
+        </p:txBody>
+      </p:sp>
+      <p:sp>
+        <p:nvSpPr>
+          <p:cNvPr id="42" name="Textfeld 41">
+            <a:extLst>
+              <a:ext uri="{FF2B5EF4-FFF2-40B4-BE49-F238E27FC236}">
+                <a16:creationId xmlns:a16="http://schemas.microsoft.com/office/drawing/2014/main" id="{E27CB42F-DF7F-4D56-A065-5A7FF517199C}"/>
+              </a:ext>
+            </a:extLst>
+          </p:cNvPr>
+          <p:cNvSpPr txBox="1"/>
+          <p:nvPr/>
+        </p:nvSpPr>
+        <p:spPr>
+          <a:xfrm>
+            <a:off x="8136222" y="2555452"/>
+            <a:ext cx="815461" cy="453183"/>
+          </a:xfrm>
+          <a:prstGeom prst="rect">
+            <a:avLst/>
+          </a:prstGeom>
+          <a:noFill/>
+          <a:ln>
+            <a:solidFill>
+              <a:schemeClr val="accent2"/>
+            </a:solidFill>
+          </a:ln>
+        </p:spPr>
+        <p:txBody>
+          <a:bodyPr wrap="none" lIns="72000" tIns="72000" rIns="72000" bIns="72000" rtlCol="0">
+            <a:spAutoFit/>
+          </a:bodyPr>
+          <a:lstStyle/>
+          <a:p>
+            <a:pPr algn="l"/>
+            <a:r>
+              <a:rPr lang="de-DE" sz="2000" dirty="0">
+                <a:solidFill>
+                  <a:schemeClr val="accent2"/>
+                </a:solidFill>
+              </a:rPr>
+              <a:t>Abb. 2</a:t>
+            </a:r>
+          </a:p>
+        </p:txBody>
+      </p:sp>
+      <p:pic>
+        <p:nvPicPr>
+          <p:cNvPr id="44" name="Grafik 43" descr="Filmstreifen Silhouette">
+            <a:extLst>
+              <a:ext uri="{FF2B5EF4-FFF2-40B4-BE49-F238E27FC236}">
+                <a16:creationId xmlns:a16="http://schemas.microsoft.com/office/drawing/2014/main" id="{1D8C96C4-4692-4AC2-A7BA-49B8810D6B10}"/>
+              </a:ext>
+            </a:extLst>
+          </p:cNvPr>
+          <p:cNvPicPr>
+            <a:picLocks noChangeAspect="1"/>
+          </p:cNvPicPr>
+          <p:nvPr/>
+        </p:nvPicPr>
+        <p:blipFill rotWithShape="1">
+          <a:blip r:embed="rId14">
+            <a:extLst>
+              <a:ext uri="{28A0092B-C50C-407E-A947-70E740481C1C}">
+                <a14:useLocalDpi xmlns:a14="http://schemas.microsoft.com/office/drawing/2010/main" val="0"/>
+              </a:ext>
+              <a:ext uri="{96DAC541-7B7A-43D3-8B79-37D633B846F1}">
+                <asvg:svgBlip xmlns:asvg="http://schemas.microsoft.com/office/drawing/2016/SVG/main" r:embed="rId15"/>
+              </a:ext>
+            </a:extLst>
+          </a:blip>
+          <a:srcRect b="33929"/>
+          <a:stretch/>
+        </p:blipFill>
+        <p:spPr>
+          <a:xfrm>
+            <a:off x="7630571" y="3384933"/>
+            <a:ext cx="1826765" cy="1206964"/>
+          </a:xfrm>
+          <a:prstGeom prst="rect">
+            <a:avLst/>
+          </a:prstGeom>
+        </p:spPr>
+      </p:pic>
+      <p:sp>
+        <p:nvSpPr>
+          <p:cNvPr id="45" name="Textfeld 44">
+            <a:extLst>
+              <a:ext uri="{FF2B5EF4-FFF2-40B4-BE49-F238E27FC236}">
+                <a16:creationId xmlns:a16="http://schemas.microsoft.com/office/drawing/2014/main" id="{F58BA78A-3F70-4E3C-A5B5-8E90B4B54438}"/>
+              </a:ext>
+            </a:extLst>
+          </p:cNvPr>
+          <p:cNvSpPr txBox="1"/>
+          <p:nvPr/>
+        </p:nvSpPr>
+        <p:spPr>
+          <a:xfrm>
+            <a:off x="695325" y="4194305"/>
+            <a:ext cx="1732187" cy="391628"/>
+          </a:xfrm>
+          <a:prstGeom prst="rect">
+            <a:avLst/>
+          </a:prstGeom>
+          <a:noFill/>
+          <a:ln>
+            <a:noFill/>
+          </a:ln>
+        </p:spPr>
+        <p:txBody>
+          <a:bodyPr wrap="none" lIns="72000" tIns="72000" rIns="72000" bIns="72000" rtlCol="0">
+            <a:spAutoFit/>
+          </a:bodyPr>
+          <a:lstStyle/>
+          <a:p>
+            <a:pPr algn="l"/>
+            <a:r>
+              <a:rPr lang="de-DE" sz="1600" dirty="0">
+                <a:solidFill>
+                  <a:schemeClr val="accent2"/>
+                </a:solidFill>
+              </a:rPr>
+              <a:t>Ausgangsdatensatz</a:t>
+            </a:r>
+          </a:p>
+        </p:txBody>
+      </p:sp>
+      <p:sp>
+        <p:nvSpPr>
+          <p:cNvPr id="46" name="Textfeld 45">
+            <a:extLst>
+              <a:ext uri="{FF2B5EF4-FFF2-40B4-BE49-F238E27FC236}">
+                <a16:creationId xmlns:a16="http://schemas.microsoft.com/office/drawing/2014/main" id="{C7238903-6AD1-4D46-A824-758B0C6AC112}"/>
+              </a:ext>
+            </a:extLst>
+          </p:cNvPr>
+          <p:cNvSpPr txBox="1"/>
+          <p:nvPr/>
+        </p:nvSpPr>
+        <p:spPr>
+          <a:xfrm>
+            <a:off x="2427512" y="4981032"/>
+            <a:ext cx="1456426" cy="884070"/>
+          </a:xfrm>
+          <a:prstGeom prst="rect">
+            <a:avLst/>
+          </a:prstGeom>
+          <a:noFill/>
+          <a:ln>
+            <a:noFill/>
+          </a:ln>
+        </p:spPr>
+        <p:txBody>
+          <a:bodyPr wrap="square" lIns="72000" tIns="72000" rIns="72000" bIns="72000" rtlCol="0">
+            <a:spAutoFit/>
+          </a:bodyPr>
+          <a:lstStyle/>
+          <a:p>
+            <a:pPr algn="r"/>
+            <a:r>
+              <a:rPr lang="de-DE" sz="1200" dirty="0">
+                <a:solidFill>
+                  <a:schemeClr val="accent2"/>
+                </a:solidFill>
+              </a:rPr>
+              <a:t>Aufteilen der Daten, bzw. berechnen der Werte je Animationszustand</a:t>
+            </a:r>
+          </a:p>
+        </p:txBody>
+      </p:sp>
+      <p:sp>
+        <p:nvSpPr>
+          <p:cNvPr id="47" name="Textfeld 46">
+            <a:extLst>
+              <a:ext uri="{FF2B5EF4-FFF2-40B4-BE49-F238E27FC236}">
+                <a16:creationId xmlns:a16="http://schemas.microsoft.com/office/drawing/2014/main" id="{1BDBD4C7-E1BA-47E3-9D4E-923D47701429}"/>
+              </a:ext>
+            </a:extLst>
+          </p:cNvPr>
+          <p:cNvSpPr txBox="1"/>
+          <p:nvPr/>
+        </p:nvSpPr>
+        <p:spPr>
+          <a:xfrm>
+            <a:off x="4522526" y="5004138"/>
+            <a:ext cx="1456426" cy="699404"/>
+          </a:xfrm>
+          <a:prstGeom prst="rect">
+            <a:avLst/>
+          </a:prstGeom>
+          <a:noFill/>
+          <a:ln>
+            <a:noFill/>
+          </a:ln>
+        </p:spPr>
+        <p:txBody>
+          <a:bodyPr wrap="square" lIns="72000" tIns="72000" rIns="72000" bIns="72000" rtlCol="0">
+            <a:spAutoFit/>
+          </a:bodyPr>
+          <a:lstStyle/>
+          <a:p>
+            <a:pPr algn="r"/>
+            <a:r>
+              <a:rPr lang="de-DE" sz="1200" dirty="0">
+                <a:solidFill>
+                  <a:schemeClr val="accent2"/>
+                </a:solidFill>
+              </a:rPr>
+              <a:t>Erstellen einer Abbildung je Animationszustand</a:t>
+            </a:r>
+          </a:p>
+        </p:txBody>
+      </p:sp>
+      <p:sp>
+        <p:nvSpPr>
+          <p:cNvPr id="48" name="Textfeld 47">
+            <a:extLst>
+              <a:ext uri="{FF2B5EF4-FFF2-40B4-BE49-F238E27FC236}">
+                <a16:creationId xmlns:a16="http://schemas.microsoft.com/office/drawing/2014/main" id="{88EAB674-3422-460E-8838-D5BA7E54F345}"/>
+              </a:ext>
+            </a:extLst>
+          </p:cNvPr>
+          <p:cNvSpPr txBox="1"/>
+          <p:nvPr/>
+        </p:nvSpPr>
+        <p:spPr>
+          <a:xfrm>
+            <a:off x="7757224" y="4999612"/>
+            <a:ext cx="1456426" cy="514738"/>
+          </a:xfrm>
+          <a:prstGeom prst="rect">
+            <a:avLst/>
+          </a:prstGeom>
+          <a:noFill/>
+          <a:ln>
+            <a:noFill/>
+          </a:ln>
+        </p:spPr>
+        <p:txBody>
+          <a:bodyPr wrap="square" lIns="72000" tIns="72000" rIns="72000" bIns="72000" rtlCol="0">
+            <a:spAutoFit/>
+          </a:bodyPr>
+          <a:lstStyle/>
+          <a:p>
+            <a:pPr algn="r"/>
+            <a:r>
+              <a:rPr lang="de-DE" sz="1200" dirty="0">
+                <a:solidFill>
+                  <a:schemeClr val="accent2"/>
+                </a:solidFill>
+              </a:rPr>
+              <a:t>Aneinanderreihen der einzelnen Plots</a:t>
+            </a:r>
+          </a:p>
+        </p:txBody>
+      </p:sp>
+    </p:spTree>
+    <p:extLst>
+      <p:ext uri="{BB962C8B-B14F-4D97-AF65-F5344CB8AC3E}">
+        <p14:creationId xmlns:p14="http://schemas.microsoft.com/office/powerpoint/2010/main" val="251775707"/>
       </p:ext>
     </p:extLst>
   </p:cSld>

--- a/images/Erstellte_Abbildungen.pptx
+++ b/images/Erstellte_Abbildungen.pptx
@@ -239,7 +239,7 @@
           <a:p>
             <a:fld id="{0D0BC2D3-C2A7-47C3-90FD-EBB22447478D}" type="datetimeFigureOut">
               <a:rPr lang="de-DE" smtClean="0"/>
-              <a:t>04.12.2020</a:t>
+              <a:t>19.01.2021</a:t>
             </a:fld>
             <a:endParaRPr lang="de-DE"/>
           </a:p>
@@ -457,7 +457,7 @@
           <a:p>
             <a:fld id="{6C0C46B0-EFD9-4439-A7DD-5A6E3D3A8873}" type="datetimeFigureOut">
               <a:rPr lang="de-DE" smtClean="0"/>
-              <a:t>04.12.2020</a:t>
+              <a:t>19.01.2021</a:t>
             </a:fld>
             <a:endParaRPr lang="de-DE"/>
           </a:p>
@@ -8270,7 +8270,7 @@
           <p:nvPr>
             <p:extLst>
               <p:ext uri="{D42A27DB-BD31-4B8C-83A1-F6EECF244321}">
-                <p14:modId xmlns:p14="http://schemas.microsoft.com/office/powerpoint/2010/main" val="2914746095"/>
+                <p14:modId xmlns:p14="http://schemas.microsoft.com/office/powerpoint/2010/main" val="2768322360"/>
               </p:ext>
             </p:extLst>
           </p:nvPr>
@@ -8331,7 +8331,7 @@
                       <a:pPr algn="ctr"/>
                       <a:r>
                         <a:rPr lang="de-DE" sz="2000" dirty="0"/>
-                        <a:t>x3</a:t>
+                        <a:t>X3</a:t>
                       </a:r>
                     </a:p>
                   </a:txBody>
@@ -8394,7 +8394,7 @@
                           <a:ea typeface="+mn-ea"/>
                           <a:cs typeface="+mn-cs"/>
                         </a:rPr>
-                        <a:t>1</a:t>
+                        <a:t>T</a:t>
                       </a:r>
                     </a:p>
                   </a:txBody>
@@ -8457,7 +8457,7 @@
                           <a:ea typeface="+mn-ea"/>
                           <a:cs typeface="+mn-cs"/>
                         </a:rPr>
-                        <a:t>2</a:t>
+                        <a:t>F</a:t>
                       </a:r>
                     </a:p>
                   </a:txBody>
@@ -8492,7 +8492,7 @@
                           <a:ea typeface="+mn-ea"/>
                           <a:cs typeface="+mn-cs"/>
                         </a:rPr>
-                        <a:t>C</a:t>
+                        <a:t>D</a:t>
                       </a:r>
                     </a:p>
                   </a:txBody>
@@ -8520,7 +8520,7 @@
                           <a:ea typeface="+mn-ea"/>
                           <a:cs typeface="+mn-cs"/>
                         </a:rPr>
-                        <a:t>3</a:t>
+                        <a:t>T</a:t>
                       </a:r>
                     </a:p>
                   </a:txBody>
